--- a/code/templates/RedGrey.pptx
+++ b/code/templates/RedGrey.pptx
@@ -110,7 +110,7 @@
 </file>
 
 <file path=ppt/slideLayouts/slideLayout1.xml><?xml version="1.0" encoding="utf-8"?>
-<p:sldLayout xmlns:a="http://schemas.openxmlformats.org/drawingml/2006/main" xmlns:r="http://schemas.openxmlformats.org/officeDocument/2006/relationships" xmlns:p="http://schemas.openxmlformats.org/presentationml/2006/main" showMasterSp="0" type="title" preserve="1">
+<p:sldLayout xmlns:a="http://schemas.openxmlformats.org/drawingml/2006/main" xmlns:r="http://schemas.openxmlformats.org/officeDocument/2006/relationships" xmlns:p="http://schemas.openxmlformats.org/presentationml/2006/main" showMasterSp="0" preserve="1" userDrawn="1">
   <p:cSld name="Title Slide">
     <p:spTree>
       <p:nvGrpSpPr>
@@ -196,7 +196,7 @@
             </a:extLst>
           </p:cNvPr>
           <p:cNvSpPr/>
-          <p:nvPr/>
+          <p:nvPr userDrawn="1"/>
         </p:nvSpPr>
         <p:spPr>
           <a:xfrm>
@@ -256,179 +256,24 @@
         </p:nvSpPr>
         <p:spPr>
           <a:xfrm>
-            <a:off x="1106424" y="3154680"/>
+            <a:off x="1098804" y="3593802"/>
             <a:ext cx="9994392" cy="1335024"/>
           </a:xfrm>
         </p:spPr>
         <p:txBody>
           <a:bodyPr lIns="109728" tIns="109728" rIns="109728" bIns="91440" anchor="b">
-            <a:normAutofit/>
+            <a:noAutofit/>
           </a:bodyPr>
           <a:lstStyle>
             <a:lvl1pPr algn="l">
-              <a:defRPr sz="8800"/>
+              <a:defRPr sz="4800"/>
             </a:lvl1pPr>
           </a:lstStyle>
           <a:p>
             <a:r>
-              <a:rPr lang="en-US"/>
+              <a:rPr lang="en-US" dirty="0"/>
               <a:t>Click to edit Master title style</a:t>
             </a:r>
-            <a:endParaRPr lang="en-US" dirty="0"/>
-          </a:p>
-        </p:txBody>
-      </p:sp>
-      <p:sp>
-        <p:nvSpPr>
-          <p:cNvPr id="3" name="Subtitle 2">
-            <a:extLst>
-              <a:ext uri="{FF2B5EF4-FFF2-40B4-BE49-F238E27FC236}">
-                <a16:creationId xmlns:a16="http://schemas.microsoft.com/office/drawing/2014/main" id="{AF566B81-8E0E-4B31-9B8A-AD8615CF52A3}"/>
-              </a:ext>
-            </a:extLst>
-          </p:cNvPr>
-          <p:cNvSpPr>
-            <a:spLocks noGrp="1"/>
-          </p:cNvSpPr>
-          <p:nvPr>
-            <p:ph type="subTitle" idx="1"/>
-          </p:nvPr>
-        </p:nvSpPr>
-        <p:spPr>
-          <a:xfrm>
-            <a:off x="1091184" y="4489704"/>
-            <a:ext cx="10009632" cy="768096"/>
-          </a:xfrm>
-        </p:spPr>
-        <p:txBody>
-          <a:bodyPr lIns="109728" tIns="109728" rIns="109728" bIns="91440" anchor="ctr"/>
-          <a:lstStyle>
-            <a:lvl1pPr marL="0" indent="0" algn="l">
-              <a:buNone/>
-              <a:defRPr sz="2400" b="1" cap="all" spc="600" baseline="0"/>
-            </a:lvl1pPr>
-            <a:lvl2pPr marL="457200" indent="0" algn="ctr">
-              <a:buNone/>
-              <a:defRPr sz="2000"/>
-            </a:lvl2pPr>
-            <a:lvl3pPr marL="914400" indent="0" algn="ctr">
-              <a:buNone/>
-              <a:defRPr sz="1800"/>
-            </a:lvl3pPr>
-            <a:lvl4pPr marL="1371600" indent="0" algn="ctr">
-              <a:buNone/>
-              <a:defRPr sz="1600"/>
-            </a:lvl4pPr>
-            <a:lvl5pPr marL="1828800" indent="0" algn="ctr">
-              <a:buNone/>
-              <a:defRPr sz="1600"/>
-            </a:lvl5pPr>
-            <a:lvl6pPr marL="2286000" indent="0" algn="ctr">
-              <a:buNone/>
-              <a:defRPr sz="1600"/>
-            </a:lvl6pPr>
-            <a:lvl7pPr marL="2743200" indent="0" algn="ctr">
-              <a:buNone/>
-              <a:defRPr sz="1600"/>
-            </a:lvl7pPr>
-            <a:lvl8pPr marL="3200400" indent="0" algn="ctr">
-              <a:buNone/>
-              <a:defRPr sz="1600"/>
-            </a:lvl8pPr>
-            <a:lvl9pPr marL="3657600" indent="0" algn="ctr">
-              <a:buNone/>
-              <a:defRPr sz="1600"/>
-            </a:lvl9pPr>
-          </a:lstStyle>
-          <a:p>
-            <a:r>
-              <a:rPr lang="en-US"/>
-              <a:t>Click to edit Master subtitle style</a:t>
-            </a:r>
-            <a:endParaRPr lang="en-US" dirty="0"/>
-          </a:p>
-        </p:txBody>
-      </p:sp>
-      <p:sp>
-        <p:nvSpPr>
-          <p:cNvPr id="4" name="Date Placeholder 3">
-            <a:extLst>
-              <a:ext uri="{FF2B5EF4-FFF2-40B4-BE49-F238E27FC236}">
-                <a16:creationId xmlns:a16="http://schemas.microsoft.com/office/drawing/2014/main" id="{8F2E3122-8086-4B62-A94B-822FD6B44DEA}"/>
-              </a:ext>
-            </a:extLst>
-          </p:cNvPr>
-          <p:cNvSpPr>
-            <a:spLocks noGrp="1"/>
-          </p:cNvSpPr>
-          <p:nvPr>
-            <p:ph type="dt" sz="half" idx="10"/>
-          </p:nvPr>
-        </p:nvSpPr>
-        <p:spPr/>
-        <p:txBody>
-          <a:bodyPr/>
-          <a:lstStyle/>
-          <a:p>
-            <a:fld id="{969B18AD-F44F-484C-A3D2-C5EF8D94DE24}" type="datetime1">
-              <a:rPr lang="en-US" smtClean="0"/>
-              <a:t>9/18/2024</a:t>
-            </a:fld>
-            <a:endParaRPr lang="en-US" dirty="0"/>
-          </a:p>
-        </p:txBody>
-      </p:sp>
-      <p:sp>
-        <p:nvSpPr>
-          <p:cNvPr id="5" name="Footer Placeholder 4">
-            <a:extLst>
-              <a:ext uri="{FF2B5EF4-FFF2-40B4-BE49-F238E27FC236}">
-                <a16:creationId xmlns:a16="http://schemas.microsoft.com/office/drawing/2014/main" id="{9B4D9890-8F9E-40E4-9E32-1481709B2864}"/>
-              </a:ext>
-            </a:extLst>
-          </p:cNvPr>
-          <p:cNvSpPr>
-            <a:spLocks noGrp="1"/>
-          </p:cNvSpPr>
-          <p:nvPr>
-            <p:ph type="ftr" sz="quarter" idx="11"/>
-          </p:nvPr>
-        </p:nvSpPr>
-        <p:spPr/>
-        <p:txBody>
-          <a:bodyPr/>
-          <a:lstStyle/>
-          <a:p>
-            <a:endParaRPr lang="en-US" dirty="0"/>
-          </a:p>
-        </p:txBody>
-      </p:sp>
-      <p:sp>
-        <p:nvSpPr>
-          <p:cNvPr id="6" name="Slide Number Placeholder 5">
-            <a:extLst>
-              <a:ext uri="{FF2B5EF4-FFF2-40B4-BE49-F238E27FC236}">
-                <a16:creationId xmlns:a16="http://schemas.microsoft.com/office/drawing/2014/main" id="{50EC4A2E-05AC-44E3-B11A-086CA9066B6A}"/>
-              </a:ext>
-            </a:extLst>
-          </p:cNvPr>
-          <p:cNvSpPr>
-            <a:spLocks noGrp="1"/>
-          </p:cNvSpPr>
-          <p:nvPr>
-            <p:ph type="sldNum" sz="quarter" idx="12"/>
-          </p:nvPr>
-        </p:nvSpPr>
-        <p:spPr/>
-        <p:txBody>
-          <a:bodyPr/>
-          <a:lstStyle/>
-          <a:p>
-            <a:fld id="{6E16B81F-97CD-4934-852B-F0AECFD05DB5}" type="slidenum">
-              <a:rPr lang="en-US" smtClean="0"/>
-              <a:t>‹#›</a:t>
-            </a:fld>
-            <a:endParaRPr lang="en-US"/>
           </a:p>
         </p:txBody>
       </p:sp>
@@ -506,159 +351,82 @@
             <p:ph idx="1"/>
           </p:nvPr>
         </p:nvSpPr>
-        <p:spPr/>
-        <p:txBody>
-          <a:bodyPr/>
+        <p:spPr>
+          <a:xfrm>
+            <a:off x="3045609" y="2165229"/>
+            <a:ext cx="7601575" cy="4348163"/>
+          </a:xfrm>
+        </p:spPr>
+        <p:txBody>
+          <a:bodyPr>
+            <a:normAutofit/>
+          </a:bodyPr>
           <a:lstStyle>
             <a:lvl1pPr marL="285750" indent="-285750">
               <a:buClrTx/>
               <a:buFont typeface="Arial" panose="020B0604020202020204" pitchFamily="34" charset="0"/>
               <a:buChar char="•"/>
-              <a:defRPr/>
+              <a:defRPr sz="1800"/>
             </a:lvl1pPr>
             <a:lvl2pPr marL="285750" indent="-285750">
               <a:buClrTx/>
               <a:buFont typeface="Arial" panose="020B0604020202020204" pitchFamily="34" charset="0"/>
               <a:buChar char="•"/>
-              <a:defRPr/>
+              <a:defRPr sz="1800"/>
             </a:lvl2pPr>
             <a:lvl3pPr marL="285750" indent="-285750">
               <a:buClrTx/>
               <a:buFont typeface="Arial" panose="020B0604020202020204" pitchFamily="34" charset="0"/>
               <a:buChar char="•"/>
-              <a:defRPr/>
+              <a:defRPr sz="1800"/>
             </a:lvl3pPr>
             <a:lvl4pPr marL="285750" indent="-285750">
               <a:buClrTx/>
               <a:buFont typeface="Arial" panose="020B0604020202020204" pitchFamily="34" charset="0"/>
               <a:buChar char="•"/>
-              <a:defRPr/>
+              <a:defRPr sz="1800"/>
             </a:lvl4pPr>
             <a:lvl5pPr marL="285750" indent="-285750">
               <a:buClrTx/>
               <a:buFont typeface="Arial" panose="020B0604020202020204" pitchFamily="34" charset="0"/>
               <a:buChar char="•"/>
-              <a:defRPr/>
+              <a:defRPr sz="1800"/>
             </a:lvl5pPr>
           </a:lstStyle>
           <a:p>
             <a:pPr lvl="0"/>
             <a:r>
-              <a:rPr lang="en-US"/>
+              <a:rPr lang="en-US" dirty="0"/>
               <a:t>Click to edit Master text styles</a:t>
             </a:r>
           </a:p>
           <a:p>
             <a:pPr lvl="1"/>
             <a:r>
-              <a:rPr lang="en-US"/>
+              <a:rPr lang="en-US" dirty="0"/>
               <a:t>Second level</a:t>
             </a:r>
           </a:p>
           <a:p>
             <a:pPr lvl="2"/>
             <a:r>
-              <a:rPr lang="en-US"/>
+              <a:rPr lang="en-US" dirty="0"/>
               <a:t>Third level</a:t>
             </a:r>
           </a:p>
           <a:p>
             <a:pPr lvl="3"/>
             <a:r>
-              <a:rPr lang="en-US"/>
+              <a:rPr lang="en-US" dirty="0"/>
               <a:t>Fourth level</a:t>
             </a:r>
           </a:p>
           <a:p>
             <a:pPr lvl="4"/>
             <a:r>
-              <a:rPr lang="en-US"/>
+              <a:rPr lang="en-US" dirty="0"/>
               <a:t>Fifth level</a:t>
             </a:r>
-            <a:endParaRPr lang="en-US" dirty="0"/>
-          </a:p>
-        </p:txBody>
-      </p:sp>
-      <p:sp>
-        <p:nvSpPr>
-          <p:cNvPr id="4" name="Date Placeholder 3">
-            <a:extLst>
-              <a:ext uri="{FF2B5EF4-FFF2-40B4-BE49-F238E27FC236}">
-                <a16:creationId xmlns:a16="http://schemas.microsoft.com/office/drawing/2014/main" id="{B2733971-B6D0-433D-83AE-34616CE6E557}"/>
-              </a:ext>
-            </a:extLst>
-          </p:cNvPr>
-          <p:cNvSpPr>
-            <a:spLocks noGrp="1"/>
-          </p:cNvSpPr>
-          <p:nvPr>
-            <p:ph type="dt" sz="half" idx="10"/>
-          </p:nvPr>
-        </p:nvSpPr>
-        <p:spPr/>
-        <p:txBody>
-          <a:bodyPr/>
-          <a:lstStyle/>
-          <a:p>
-            <a:fld id="{C4B0D2D1-B868-4347-B796-3B5A5EB129FF}" type="datetime1">
-              <a:rPr lang="en-US" smtClean="0"/>
-              <a:t>9/18/2024</a:t>
-            </a:fld>
-            <a:endParaRPr lang="en-US"/>
-          </a:p>
-        </p:txBody>
-      </p:sp>
-      <p:sp>
-        <p:nvSpPr>
-          <p:cNvPr id="5" name="Footer Placeholder 4">
-            <a:extLst>
-              <a:ext uri="{FF2B5EF4-FFF2-40B4-BE49-F238E27FC236}">
-                <a16:creationId xmlns:a16="http://schemas.microsoft.com/office/drawing/2014/main" id="{1F7CA778-7EAA-41F9-B37D-C8E67AE7993C}"/>
-              </a:ext>
-            </a:extLst>
-          </p:cNvPr>
-          <p:cNvSpPr>
-            <a:spLocks noGrp="1"/>
-          </p:cNvSpPr>
-          <p:nvPr>
-            <p:ph type="ftr" sz="quarter" idx="11"/>
-          </p:nvPr>
-        </p:nvSpPr>
-        <p:spPr/>
-        <p:txBody>
-          <a:bodyPr/>
-          <a:lstStyle/>
-          <a:p>
-            <a:endParaRPr lang="en-US"/>
-          </a:p>
-        </p:txBody>
-      </p:sp>
-      <p:sp>
-        <p:nvSpPr>
-          <p:cNvPr id="6" name="Slide Number Placeholder 5">
-            <a:extLst>
-              <a:ext uri="{FF2B5EF4-FFF2-40B4-BE49-F238E27FC236}">
-                <a16:creationId xmlns:a16="http://schemas.microsoft.com/office/drawing/2014/main" id="{BD2F7F5B-F40C-4ECA-9FD3-760EAA21BD4E}"/>
-              </a:ext>
-            </a:extLst>
-          </p:cNvPr>
-          <p:cNvSpPr>
-            <a:spLocks noGrp="1"/>
-          </p:cNvSpPr>
-          <p:nvPr>
-            <p:ph type="sldNum" sz="quarter" idx="12"/>
-          </p:nvPr>
-        </p:nvSpPr>
-        <p:spPr/>
-        <p:txBody>
-          <a:bodyPr/>
-          <a:lstStyle/>
-          <a:p>
-            <a:fld id="{E20EFF4B-E35B-4DE6-97A9-05E54E649A15}" type="slidenum">
-              <a:rPr lang="en-US" smtClean="0"/>
-              <a:t>‹#›</a:t>
-            </a:fld>
-            <a:endParaRPr lang="en-US"/>
           </a:p>
         </p:txBody>
       </p:sp>
@@ -694,6 +462,60 @@
       </p:grpSpPr>
       <p:sp>
         <p:nvSpPr>
+          <p:cNvPr id="4" name="Rectangle 3">
+            <a:extLst>
+              <a:ext uri="{FF2B5EF4-FFF2-40B4-BE49-F238E27FC236}">
+                <a16:creationId xmlns:a16="http://schemas.microsoft.com/office/drawing/2014/main" id="{899FC586-BCA7-0A2F-EB8C-3EB5EA8FC20F}"/>
+              </a:ext>
+            </a:extLst>
+          </p:cNvPr>
+          <p:cNvSpPr>
+            <a:spLocks noGrp="1" noRot="1" noMove="1" noResize="1" noEditPoints="1" noAdjustHandles="1" noChangeArrowheads="1" noChangeShapeType="1"/>
+          </p:cNvSpPr>
+          <p:nvPr userDrawn="1"/>
+        </p:nvSpPr>
+        <p:spPr>
+          <a:xfrm>
+            <a:off x="5287992" y="2113472"/>
+            <a:ext cx="6814868" cy="3338422"/>
+          </a:xfrm>
+          <a:prstGeom prst="rect">
+            <a:avLst/>
+          </a:prstGeom>
+          <a:solidFill>
+            <a:schemeClr val="tx1"/>
+          </a:solidFill>
+          <a:ln>
+            <a:noFill/>
+          </a:ln>
+        </p:spPr>
+        <p:style>
+          <a:lnRef idx="2">
+            <a:schemeClr val="accent1">
+              <a:shade val="15000"/>
+            </a:schemeClr>
+          </a:lnRef>
+          <a:fillRef idx="1">
+            <a:schemeClr val="accent1"/>
+          </a:fillRef>
+          <a:effectRef idx="0">
+            <a:schemeClr val="accent1"/>
+          </a:effectRef>
+          <a:fontRef idx="minor">
+            <a:schemeClr val="lt1"/>
+          </a:fontRef>
+        </p:style>
+        <p:txBody>
+          <a:bodyPr rtlCol="0" anchor="ctr"/>
+          <a:lstStyle/>
+          <a:p>
+            <a:pPr algn="ctr"/>
+            <a:endParaRPr lang="en-US"/>
+          </a:p>
+        </p:txBody>
+      </p:sp>
+      <p:sp>
+        <p:nvSpPr>
           <p:cNvPr id="2" name="Title 1">
             <a:extLst>
               <a:ext uri="{FF2B5EF4-FFF2-40B4-BE49-F238E27FC236}">
@@ -734,10 +556,10 @@
       </p:sp>
       <p:sp>
         <p:nvSpPr>
-          <p:cNvPr id="3" name="Picture Placeholder 2">
-            <a:extLst>
-              <a:ext uri="{FF2B5EF4-FFF2-40B4-BE49-F238E27FC236}">
-                <a16:creationId xmlns:a16="http://schemas.microsoft.com/office/drawing/2014/main" id="{25019FD7-F525-433A-BC5B-E8251F514F55}"/>
+          <p:cNvPr id="9" name="Picture Placeholder 8">
+            <a:extLst>
+              <a:ext uri="{FF2B5EF4-FFF2-40B4-BE49-F238E27FC236}">
+                <a16:creationId xmlns:a16="http://schemas.microsoft.com/office/drawing/2014/main" id="{C18B59E5-EE6E-6961-F616-57F04A733883}"/>
               </a:ext>
             </a:extLst>
           </p:cNvPr>
@@ -745,58 +567,18 @@
             <a:spLocks noGrp="1"/>
           </p:cNvSpPr>
           <p:nvPr>
-            <p:ph type="pic" idx="1"/>
+            <p:ph type="pic" sz="quarter" idx="13"/>
           </p:nvPr>
         </p:nvSpPr>
         <p:spPr>
           <a:xfrm>
-            <a:off x="5295331" y="2025365"/>
-            <a:ext cx="6365684" cy="3462907"/>
-          </a:xfrm>
-          <a:solidFill>
-            <a:srgbClr val="DDDDDD"/>
-          </a:solidFill>
+            <a:off x="5529533" y="2421350"/>
+            <a:ext cx="6305790" cy="2674938"/>
+          </a:xfrm>
         </p:spPr>
         <p:txBody>
           <a:bodyPr/>
-          <a:lstStyle>
-            <a:lvl1pPr marL="0" indent="0">
-              <a:buNone/>
-              <a:defRPr sz="3200"/>
-            </a:lvl1pPr>
-            <a:lvl2pPr marL="457200" indent="0">
-              <a:buNone/>
-              <a:defRPr sz="2800"/>
-            </a:lvl2pPr>
-            <a:lvl3pPr marL="914400" indent="0">
-              <a:buNone/>
-              <a:defRPr sz="2400"/>
-            </a:lvl3pPr>
-            <a:lvl4pPr marL="1371600" indent="0">
-              <a:buNone/>
-              <a:defRPr sz="2000"/>
-            </a:lvl4pPr>
-            <a:lvl5pPr marL="1828800" indent="0">
-              <a:buNone/>
-              <a:defRPr sz="2000"/>
-            </a:lvl5pPr>
-            <a:lvl6pPr marL="2286000" indent="0">
-              <a:buNone/>
-              <a:defRPr sz="2000"/>
-            </a:lvl6pPr>
-            <a:lvl7pPr marL="2743200" indent="0">
-              <a:buNone/>
-              <a:defRPr sz="2000"/>
-            </a:lvl7pPr>
-            <a:lvl8pPr marL="3200400" indent="0">
-              <a:buNone/>
-              <a:defRPr sz="2000"/>
-            </a:lvl8pPr>
-            <a:lvl9pPr marL="3657600" indent="0">
-              <a:buNone/>
-              <a:defRPr sz="2000"/>
-            </a:lvl9pPr>
-          </a:lstStyle>
+          <a:lstStyle/>
           <a:p>
             <a:r>
               <a:rPr lang="en-US" dirty="0"/>
@@ -807,93 +589,10 @@
       </p:sp>
       <p:sp>
         <p:nvSpPr>
-          <p:cNvPr id="5" name="Date Placeholder 4">
-            <a:extLst>
-              <a:ext uri="{FF2B5EF4-FFF2-40B4-BE49-F238E27FC236}">
-                <a16:creationId xmlns:a16="http://schemas.microsoft.com/office/drawing/2014/main" id="{671F16CE-96E3-44EC-B9C8-F7FEDA170FE5}"/>
-              </a:ext>
-            </a:extLst>
-          </p:cNvPr>
-          <p:cNvSpPr>
-            <a:spLocks noGrp="1"/>
-          </p:cNvSpPr>
-          <p:nvPr>
-            <p:ph type="dt" sz="half" idx="10"/>
-          </p:nvPr>
-        </p:nvSpPr>
-        <p:spPr/>
-        <p:txBody>
-          <a:bodyPr/>
-          <a:lstStyle/>
-          <a:p>
-            <a:fld id="{7344C44C-94B9-4BA1-95A5-21C59D41B284}" type="datetime1">
-              <a:rPr lang="en-US" smtClean="0"/>
-              <a:t>9/18/2024</a:t>
-            </a:fld>
-            <a:endParaRPr lang="en-US"/>
-          </a:p>
-        </p:txBody>
-      </p:sp>
-      <p:sp>
-        <p:nvSpPr>
-          <p:cNvPr id="6" name="Footer Placeholder 5">
-            <a:extLst>
-              <a:ext uri="{FF2B5EF4-FFF2-40B4-BE49-F238E27FC236}">
-                <a16:creationId xmlns:a16="http://schemas.microsoft.com/office/drawing/2014/main" id="{5EE4BBD5-FCB5-45FF-A806-445007BA03EA}"/>
-              </a:ext>
-            </a:extLst>
-          </p:cNvPr>
-          <p:cNvSpPr>
-            <a:spLocks noGrp="1"/>
-          </p:cNvSpPr>
-          <p:nvPr>
-            <p:ph type="ftr" sz="quarter" idx="11"/>
-          </p:nvPr>
-        </p:nvSpPr>
-        <p:spPr/>
-        <p:txBody>
-          <a:bodyPr/>
-          <a:lstStyle/>
-          <a:p>
-            <a:endParaRPr lang="en-US"/>
-          </a:p>
-        </p:txBody>
-      </p:sp>
-      <p:sp>
-        <p:nvSpPr>
-          <p:cNvPr id="7" name="Slide Number Placeholder 6">
-            <a:extLst>
-              <a:ext uri="{FF2B5EF4-FFF2-40B4-BE49-F238E27FC236}">
-                <a16:creationId xmlns:a16="http://schemas.microsoft.com/office/drawing/2014/main" id="{4E143AF2-82EC-4A16-9E91-742792F0A08E}"/>
-              </a:ext>
-            </a:extLst>
-          </p:cNvPr>
-          <p:cNvSpPr>
-            <a:spLocks noGrp="1"/>
-          </p:cNvSpPr>
-          <p:nvPr>
-            <p:ph type="sldNum" sz="quarter" idx="12"/>
-          </p:nvPr>
-        </p:nvSpPr>
-        <p:spPr/>
-        <p:txBody>
-          <a:bodyPr/>
-          <a:lstStyle/>
-          <a:p>
-            <a:fld id="{E20EFF4B-E35B-4DE6-97A9-05E54E649A15}" type="slidenum">
-              <a:rPr lang="en-US" smtClean="0"/>
-              <a:t>‹#›</a:t>
-            </a:fld>
-            <a:endParaRPr lang="en-US"/>
-          </a:p>
-        </p:txBody>
-      </p:sp>
-      <p:sp>
-        <p:nvSpPr>
-          <p:cNvPr id="4" name="Text Placeholder 3">
-            <a:extLst>
-              <a:ext uri="{FF2B5EF4-FFF2-40B4-BE49-F238E27FC236}">
-                <a16:creationId xmlns:a16="http://schemas.microsoft.com/office/drawing/2014/main" id="{CB4659E6-F667-85BF-141C-B9406EC66EF9}"/>
+          <p:cNvPr id="3" name="Text Placeholder 3">
+            <a:extLst>
+              <a:ext uri="{FF2B5EF4-FFF2-40B4-BE49-F238E27FC236}">
+                <a16:creationId xmlns:a16="http://schemas.microsoft.com/office/drawing/2014/main" id="{4010D041-3AEC-C872-A7D2-90E04F42FEB5}"/>
               </a:ext>
             </a:extLst>
           </p:cNvPr>
@@ -906,7 +605,7 @@
         </p:nvSpPr>
         <p:spPr>
           <a:xfrm>
-            <a:off x="452408" y="1888955"/>
+            <a:off x="639413" y="1959160"/>
             <a:ext cx="4550912" cy="3599317"/>
           </a:xfrm>
         </p:spPr>
@@ -992,6 +691,60 @@
       </p:grpSpPr>
       <p:sp>
         <p:nvSpPr>
+          <p:cNvPr id="4" name="Rectangle 3">
+            <a:extLst>
+              <a:ext uri="{FF2B5EF4-FFF2-40B4-BE49-F238E27FC236}">
+                <a16:creationId xmlns:a16="http://schemas.microsoft.com/office/drawing/2014/main" id="{64CF0EB8-2AAD-ACC7-EDC3-7019ED24FC0D}"/>
+              </a:ext>
+            </a:extLst>
+          </p:cNvPr>
+          <p:cNvSpPr>
+            <a:spLocks noGrp="1" noRot="1" noMove="1" noResize="1" noEditPoints="1" noAdjustHandles="1" noChangeArrowheads="1" noChangeShapeType="1"/>
+          </p:cNvSpPr>
+          <p:nvPr userDrawn="1"/>
+        </p:nvSpPr>
+        <p:spPr>
+          <a:xfrm>
+            <a:off x="158571" y="2432976"/>
+            <a:ext cx="6814868" cy="3338422"/>
+          </a:xfrm>
+          <a:prstGeom prst="rect">
+            <a:avLst/>
+          </a:prstGeom>
+          <a:solidFill>
+            <a:schemeClr val="tx1"/>
+          </a:solidFill>
+          <a:ln>
+            <a:noFill/>
+          </a:ln>
+        </p:spPr>
+        <p:style>
+          <a:lnRef idx="2">
+            <a:schemeClr val="accent1">
+              <a:shade val="15000"/>
+            </a:schemeClr>
+          </a:lnRef>
+          <a:fillRef idx="1">
+            <a:schemeClr val="accent1"/>
+          </a:fillRef>
+          <a:effectRef idx="0">
+            <a:schemeClr val="accent1"/>
+          </a:effectRef>
+          <a:fontRef idx="minor">
+            <a:schemeClr val="lt1"/>
+          </a:fontRef>
+        </p:style>
+        <p:txBody>
+          <a:bodyPr rtlCol="0" anchor="ctr"/>
+          <a:lstStyle/>
+          <a:p>
+            <a:pPr algn="ctr"/>
+            <a:endParaRPr lang="en-US"/>
+          </a:p>
+        </p:txBody>
+      </p:sp>
+      <p:sp>
+        <p:nvSpPr>
           <p:cNvPr id="2" name="Title 1">
             <a:extLst>
               <a:ext uri="{FF2B5EF4-FFF2-40B4-BE49-F238E27FC236}">
@@ -1032,10 +785,10 @@
       </p:sp>
       <p:sp>
         <p:nvSpPr>
-          <p:cNvPr id="3" name="Picture Placeholder 2">
-            <a:extLst>
-              <a:ext uri="{FF2B5EF4-FFF2-40B4-BE49-F238E27FC236}">
-                <a16:creationId xmlns:a16="http://schemas.microsoft.com/office/drawing/2014/main" id="{25019FD7-F525-433A-BC5B-E8251F514F55}"/>
+          <p:cNvPr id="8" name="Picture Placeholder 8">
+            <a:extLst>
+              <a:ext uri="{FF2B5EF4-FFF2-40B4-BE49-F238E27FC236}">
+                <a16:creationId xmlns:a16="http://schemas.microsoft.com/office/drawing/2014/main" id="{2AB07C50-7105-7A79-0664-9E30A78065B6}"/>
               </a:ext>
             </a:extLst>
           </p:cNvPr>
@@ -1043,155 +796,32 @@
             <a:spLocks noGrp="1"/>
           </p:cNvSpPr>
           <p:nvPr>
-            <p:ph type="pic" idx="1"/>
+            <p:ph type="pic" sz="quarter" idx="13"/>
           </p:nvPr>
         </p:nvSpPr>
         <p:spPr>
           <a:xfrm>
-            <a:off x="485775" y="2091362"/>
-            <a:ext cx="6365684" cy="3334913"/>
-          </a:xfrm>
-          <a:solidFill>
-            <a:srgbClr val="DDDDDD"/>
-          </a:solidFill>
-        </p:spPr>
-        <p:txBody>
-          <a:bodyPr/>
-          <a:lstStyle>
-            <a:lvl1pPr marL="0" indent="0">
-              <a:buNone/>
-              <a:defRPr sz="3200"/>
-            </a:lvl1pPr>
-            <a:lvl2pPr marL="457200" indent="0">
-              <a:buNone/>
-              <a:defRPr sz="2800"/>
-            </a:lvl2pPr>
-            <a:lvl3pPr marL="914400" indent="0">
-              <a:buNone/>
-              <a:defRPr sz="2400"/>
-            </a:lvl3pPr>
-            <a:lvl4pPr marL="1371600" indent="0">
-              <a:buNone/>
-              <a:defRPr sz="2000"/>
-            </a:lvl4pPr>
-            <a:lvl5pPr marL="1828800" indent="0">
-              <a:buNone/>
-              <a:defRPr sz="2000"/>
-            </a:lvl5pPr>
-            <a:lvl6pPr marL="2286000" indent="0">
-              <a:buNone/>
-              <a:defRPr sz="2000"/>
-            </a:lvl6pPr>
-            <a:lvl7pPr marL="2743200" indent="0">
-              <a:buNone/>
-              <a:defRPr sz="2000"/>
-            </a:lvl7pPr>
-            <a:lvl8pPr marL="3200400" indent="0">
-              <a:buNone/>
-              <a:defRPr sz="2000"/>
-            </a:lvl8pPr>
-            <a:lvl9pPr marL="3657600" indent="0">
-              <a:buNone/>
-              <a:defRPr sz="2000"/>
-            </a:lvl9pPr>
-          </a:lstStyle>
-          <a:p>
-            <a:r>
-              <a:rPr lang="en-US" dirty="0"/>
-              <a:t>Click icon to add picture</a:t>
-            </a:r>
-          </a:p>
-        </p:txBody>
-      </p:sp>
-      <p:sp>
-        <p:nvSpPr>
-          <p:cNvPr id="5" name="Date Placeholder 4">
-            <a:extLst>
-              <a:ext uri="{FF2B5EF4-FFF2-40B4-BE49-F238E27FC236}">
-                <a16:creationId xmlns:a16="http://schemas.microsoft.com/office/drawing/2014/main" id="{671F16CE-96E3-44EC-B9C8-F7FEDA170FE5}"/>
-              </a:ext>
-            </a:extLst>
-          </p:cNvPr>
-          <p:cNvSpPr>
-            <a:spLocks noGrp="1"/>
-          </p:cNvSpPr>
-          <p:nvPr>
-            <p:ph type="dt" sz="half" idx="10"/>
-          </p:nvPr>
-        </p:nvSpPr>
-        <p:spPr/>
+            <a:off x="483913" y="2764718"/>
+            <a:ext cx="6305790" cy="2674938"/>
+          </a:xfrm>
+        </p:spPr>
         <p:txBody>
           <a:bodyPr/>
           <a:lstStyle/>
           <a:p>
-            <a:fld id="{7344C44C-94B9-4BA1-95A5-21C59D41B284}" type="datetime1">
-              <a:rPr lang="en-US" smtClean="0"/>
-              <a:t>9/18/2024</a:t>
-            </a:fld>
-            <a:endParaRPr lang="en-US"/>
-          </a:p>
-        </p:txBody>
-      </p:sp>
-      <p:sp>
-        <p:nvSpPr>
-          <p:cNvPr id="6" name="Footer Placeholder 5">
-            <a:extLst>
-              <a:ext uri="{FF2B5EF4-FFF2-40B4-BE49-F238E27FC236}">
-                <a16:creationId xmlns:a16="http://schemas.microsoft.com/office/drawing/2014/main" id="{5EE4BBD5-FCB5-45FF-A806-445007BA03EA}"/>
-              </a:ext>
-            </a:extLst>
-          </p:cNvPr>
-          <p:cNvSpPr>
-            <a:spLocks noGrp="1"/>
-          </p:cNvSpPr>
-          <p:nvPr>
-            <p:ph type="ftr" sz="quarter" idx="11"/>
-          </p:nvPr>
-        </p:nvSpPr>
-        <p:spPr/>
-        <p:txBody>
-          <a:bodyPr/>
-          <a:lstStyle/>
-          <a:p>
-            <a:endParaRPr lang="en-US"/>
-          </a:p>
-        </p:txBody>
-      </p:sp>
-      <p:sp>
-        <p:nvSpPr>
-          <p:cNvPr id="7" name="Slide Number Placeholder 6">
-            <a:extLst>
-              <a:ext uri="{FF2B5EF4-FFF2-40B4-BE49-F238E27FC236}">
-                <a16:creationId xmlns:a16="http://schemas.microsoft.com/office/drawing/2014/main" id="{4E143AF2-82EC-4A16-9E91-742792F0A08E}"/>
-              </a:ext>
-            </a:extLst>
-          </p:cNvPr>
-          <p:cNvSpPr>
-            <a:spLocks noGrp="1"/>
-          </p:cNvSpPr>
-          <p:nvPr>
-            <p:ph type="sldNum" sz="quarter" idx="12"/>
-          </p:nvPr>
-        </p:nvSpPr>
-        <p:spPr/>
-        <p:txBody>
-          <a:bodyPr/>
-          <a:lstStyle/>
-          <a:p>
-            <a:fld id="{E20EFF4B-E35B-4DE6-97A9-05E54E649A15}" type="slidenum">
-              <a:rPr lang="en-US" smtClean="0"/>
-              <a:t>‹#›</a:t>
-            </a:fld>
-            <a:endParaRPr lang="en-US"/>
-          </a:p>
-        </p:txBody>
-      </p:sp>
-      <p:sp>
-        <p:nvSpPr>
-          <p:cNvPr id="4" name="Text Placeholder 3">
-            <a:extLst>
-              <a:ext uri="{FF2B5EF4-FFF2-40B4-BE49-F238E27FC236}">
-                <a16:creationId xmlns:a16="http://schemas.microsoft.com/office/drawing/2014/main" id="{469335BF-9203-76A8-6C4E-769FDE93FF86}"/>
+            <a:r>
+              <a:rPr lang="en-US"/>
+              <a:t>Click icon to add picture</a:t>
+            </a:r>
+          </a:p>
+        </p:txBody>
+      </p:sp>
+      <p:sp>
+        <p:nvSpPr>
+          <p:cNvPr id="3" name="Text Placeholder 3">
+            <a:extLst>
+              <a:ext uri="{FF2B5EF4-FFF2-40B4-BE49-F238E27FC236}">
+                <a16:creationId xmlns:a16="http://schemas.microsoft.com/office/drawing/2014/main" id="{C27E45EF-D0F9-A44C-A571-8B298AD5DAD5}"/>
               </a:ext>
             </a:extLst>
           </p:cNvPr>
@@ -1204,7 +834,7 @@
         </p:nvSpPr>
         <p:spPr>
           <a:xfrm>
-            <a:off x="7155313" y="1826958"/>
+            <a:off x="7157175" y="2173732"/>
             <a:ext cx="4550912" cy="3599317"/>
           </a:xfrm>
         </p:spPr>
@@ -1330,133 +960,10 @@
       </p:sp>
       <p:sp>
         <p:nvSpPr>
-          <p:cNvPr id="5" name="Date Placeholder 4">
-            <a:extLst>
-              <a:ext uri="{FF2B5EF4-FFF2-40B4-BE49-F238E27FC236}">
-                <a16:creationId xmlns:a16="http://schemas.microsoft.com/office/drawing/2014/main" id="{671F16CE-96E3-44EC-B9C8-F7FEDA170FE5}"/>
-              </a:ext>
-            </a:extLst>
-          </p:cNvPr>
-          <p:cNvSpPr>
-            <a:spLocks noGrp="1"/>
-          </p:cNvSpPr>
-          <p:nvPr>
-            <p:ph type="dt" sz="half" idx="10"/>
-          </p:nvPr>
-        </p:nvSpPr>
-        <p:spPr/>
-        <p:txBody>
-          <a:bodyPr/>
-          <a:lstStyle/>
-          <a:p>
-            <a:fld id="{7344C44C-94B9-4BA1-95A5-21C59D41B284}" type="datetime1">
-              <a:rPr lang="en-US" smtClean="0"/>
-              <a:t>9/18/2024</a:t>
-            </a:fld>
-            <a:endParaRPr lang="en-US"/>
-          </a:p>
-        </p:txBody>
-      </p:sp>
-      <p:sp>
-        <p:nvSpPr>
-          <p:cNvPr id="6" name="Footer Placeholder 5">
-            <a:extLst>
-              <a:ext uri="{FF2B5EF4-FFF2-40B4-BE49-F238E27FC236}">
-                <a16:creationId xmlns:a16="http://schemas.microsoft.com/office/drawing/2014/main" id="{5EE4BBD5-FCB5-45FF-A806-445007BA03EA}"/>
-              </a:ext>
-            </a:extLst>
-          </p:cNvPr>
-          <p:cNvSpPr>
-            <a:spLocks noGrp="1"/>
-          </p:cNvSpPr>
-          <p:nvPr>
-            <p:ph type="ftr" sz="quarter" idx="11"/>
-          </p:nvPr>
-        </p:nvSpPr>
-        <p:spPr/>
-        <p:txBody>
-          <a:bodyPr/>
-          <a:lstStyle/>
-          <a:p>
-            <a:endParaRPr lang="en-US"/>
-          </a:p>
-        </p:txBody>
-      </p:sp>
-      <p:sp>
-        <p:nvSpPr>
-          <p:cNvPr id="7" name="Slide Number Placeholder 6">
-            <a:extLst>
-              <a:ext uri="{FF2B5EF4-FFF2-40B4-BE49-F238E27FC236}">
-                <a16:creationId xmlns:a16="http://schemas.microsoft.com/office/drawing/2014/main" id="{4E143AF2-82EC-4A16-9E91-742792F0A08E}"/>
-              </a:ext>
-            </a:extLst>
-          </p:cNvPr>
-          <p:cNvSpPr>
-            <a:spLocks noGrp="1"/>
-          </p:cNvSpPr>
-          <p:nvPr>
-            <p:ph type="sldNum" sz="quarter" idx="12"/>
-          </p:nvPr>
-        </p:nvSpPr>
-        <p:spPr/>
-        <p:txBody>
-          <a:bodyPr/>
-          <a:lstStyle/>
-          <a:p>
-            <a:fld id="{E20EFF4B-E35B-4DE6-97A9-05E54E649A15}" type="slidenum">
-              <a:rPr lang="en-US" smtClean="0"/>
-              <a:t>‹#›</a:t>
-            </a:fld>
-            <a:endParaRPr lang="en-US"/>
-          </a:p>
-        </p:txBody>
-      </p:sp>
-      <p:sp>
-        <p:nvSpPr>
-          <p:cNvPr id="9" name="Table Placeholder 8">
-            <a:extLst>
-              <a:ext uri="{FF2B5EF4-FFF2-40B4-BE49-F238E27FC236}">
-                <a16:creationId xmlns:a16="http://schemas.microsoft.com/office/drawing/2014/main" id="{90ED283C-6FC2-06B1-CE50-513E5785D3C8}"/>
-              </a:ext>
-            </a:extLst>
-          </p:cNvPr>
-          <p:cNvSpPr>
-            <a:spLocks noGrp="1"/>
-          </p:cNvSpPr>
-          <p:nvPr>
-            <p:ph type="tbl" sz="quarter" idx="13"/>
-          </p:nvPr>
-        </p:nvSpPr>
-        <p:spPr>
-          <a:xfrm>
-            <a:off x="5153747" y="2216831"/>
-            <a:ext cx="6650037" cy="2917825"/>
-          </a:xfrm>
-        </p:spPr>
-        <p:txBody>
-          <a:bodyPr/>
-          <a:lstStyle>
-            <a:lvl1pPr marL="0" indent="0">
-              <a:buFontTx/>
-              <a:buNone/>
-              <a:defRPr/>
-            </a:lvl1pPr>
-          </a:lstStyle>
-          <a:p>
-            <a:r>
-              <a:rPr lang="en-US"/>
-              <a:t>Click icon to add table</a:t>
-            </a:r>
-            <a:endParaRPr lang="en-US" dirty="0"/>
-          </a:p>
-        </p:txBody>
-      </p:sp>
-      <p:sp>
-        <p:nvSpPr>
-          <p:cNvPr id="3" name="Text Placeholder 3">
-            <a:extLst>
-              <a:ext uri="{FF2B5EF4-FFF2-40B4-BE49-F238E27FC236}">
-                <a16:creationId xmlns:a16="http://schemas.microsoft.com/office/drawing/2014/main" id="{74D858E1-CF63-2CB9-17B1-826A5E38FC7C}"/>
+          <p:cNvPr id="4" name="Text Placeholder 3">
+            <a:extLst>
+              <a:ext uri="{FF2B5EF4-FFF2-40B4-BE49-F238E27FC236}">
+                <a16:creationId xmlns:a16="http://schemas.microsoft.com/office/drawing/2014/main" id="{CAFDDA46-2BA3-2640-63E8-764921747DA3}"/>
               </a:ext>
             </a:extLst>
           </p:cNvPr>
@@ -1469,8 +976,8 @@
         </p:nvSpPr>
         <p:spPr>
           <a:xfrm>
-            <a:off x="461035" y="1532595"/>
-            <a:ext cx="4550912" cy="4452448"/>
+            <a:off x="388216" y="2035709"/>
+            <a:ext cx="4550912" cy="3599317"/>
           </a:xfrm>
         </p:spPr>
         <p:txBody>
@@ -1519,6 +1026,39 @@
             <a:r>
               <a:rPr lang="en-US"/>
               <a:t>Click to edit Master text styles</a:t>
+            </a:r>
+          </a:p>
+        </p:txBody>
+      </p:sp>
+      <p:sp>
+        <p:nvSpPr>
+          <p:cNvPr id="8" name="Table Placeholder 8">
+            <a:extLst>
+              <a:ext uri="{FF2B5EF4-FFF2-40B4-BE49-F238E27FC236}">
+                <a16:creationId xmlns:a16="http://schemas.microsoft.com/office/drawing/2014/main" id="{FA38297F-6046-64A9-2455-F44B5261C501}"/>
+              </a:ext>
+            </a:extLst>
+          </p:cNvPr>
+          <p:cNvSpPr>
+            <a:spLocks noGrp="1"/>
+          </p:cNvSpPr>
+          <p:nvPr>
+            <p:ph type="tbl" sz="quarter" idx="13"/>
+          </p:nvPr>
+        </p:nvSpPr>
+        <p:spPr>
+          <a:xfrm>
+            <a:off x="5331522" y="3131180"/>
+            <a:ext cx="6291108" cy="2768600"/>
+          </a:xfrm>
+        </p:spPr>
+        <p:txBody>
+          <a:bodyPr/>
+          <a:lstStyle/>
+          <a:p>
+            <a:r>
+              <a:rPr lang="en-US" dirty="0"/>
+              <a:t>Click icon to add table</a:t>
             </a:r>
           </a:p>
         </p:txBody>
@@ -1821,7 +1361,7 @@
           <a:p>
             <a:fld id="{8262A92C-3DD6-4D28-BA90-423F0C949F16}" type="datetime1">
               <a:rPr lang="en-US" smtClean="0"/>
-              <a:t>9/18/2024</a:t>
+              <a:t>9/25/2024</a:t>
             </a:fld>
             <a:endParaRPr lang="en-US" dirty="0"/>
           </a:p>
